--- a/teste/Riscos de sediar a Copa.pptx
+++ b/teste/Riscos de sediar a Copa.pptx
@@ -119,6 +119,59 @@
     </p:ext>
   </p:extLst>
 </p:presentation>
+</file>
+
+<file path=ppt/revisionInfo.xml><?xml version="1.0" encoding="utf-8"?>
+<p1510:revInfo xmlns:a="http://schemas.openxmlformats.org/drawingml/2006/main" xmlns:r="http://schemas.openxmlformats.org/officeDocument/2006/relationships" xmlns:p1510="http://schemas.microsoft.com/office/powerpoint/2015/10/main">
+  <p1510:revLst>
+    <p1510:client id="{4E422708-700A-44B3-B155-BF4E618AC0A4}" v="2" dt="2022-05-18T21:30:12.109"/>
+  </p1510:revLst>
+</p1510:revInfo>
+</file>
+
+<file path=ppt/changesInfos/changesInfo1.xml><?xml version="1.0" encoding="utf-8"?>
+<pc:chgInfo xmlns:a="http://schemas.openxmlformats.org/drawingml/2006/main" xmlns:r="http://schemas.openxmlformats.org/officeDocument/2006/relationships" xmlns:ac="http://schemas.microsoft.com/office/drawing/2013/main/command" xmlns:pc="http://schemas.microsoft.com/office/powerpoint/2013/main/command">
+  <pc:docChgLst>
+    <pc:chgData name="Vitor Ramos  Regina" userId="adc5096abd649c19" providerId="LiveId" clId="{4E422708-700A-44B3-B155-BF4E618AC0A4}"/>
+    <pc:docChg chg="undo custSel modSld">
+      <pc:chgData name="Vitor Ramos  Regina" userId="adc5096abd649c19" providerId="LiveId" clId="{4E422708-700A-44B3-B155-BF4E618AC0A4}" dt="2022-05-18T21:30:16.596" v="29"/>
+      <pc:docMkLst>
+        <pc:docMk/>
+      </pc:docMkLst>
+      <pc:sldChg chg="delSp modSp mod">
+        <pc:chgData name="Vitor Ramos  Regina" userId="adc5096abd649c19" providerId="LiveId" clId="{4E422708-700A-44B3-B155-BF4E618AC0A4}" dt="2022-05-18T21:30:16.596" v="29"/>
+        <pc:sldMkLst>
+          <pc:docMk/>
+          <pc:sldMk cId="2535526211" sldId="256"/>
+        </pc:sldMkLst>
+        <pc:spChg chg="mod">
+          <ac:chgData name="Vitor Ramos  Regina" userId="adc5096abd649c19" providerId="LiveId" clId="{4E422708-700A-44B3-B155-BF4E618AC0A4}" dt="2022-05-18T21:30:13.593" v="27" actId="1076"/>
+          <ac:spMkLst>
+            <pc:docMk/>
+            <pc:sldMk cId="2535526211" sldId="256"/>
+            <ac:spMk id="2" creationId="{DFEFD44D-2FA1-A13B-ABE3-422A96C9003A}"/>
+          </ac:spMkLst>
+        </pc:spChg>
+        <pc:spChg chg="mod">
+          <ac:chgData name="Vitor Ramos  Regina" userId="adc5096abd649c19" providerId="LiveId" clId="{4E422708-700A-44B3-B155-BF4E618AC0A4}" dt="2022-05-18T21:30:16.596" v="29"/>
+          <ac:spMkLst>
+            <pc:docMk/>
+            <pc:sldMk cId="2535526211" sldId="256"/>
+            <ac:spMk id="3" creationId="{858748B1-7B2A-29D7-CEBA-FEECEB8B19B1}"/>
+          </ac:spMkLst>
+        </pc:spChg>
+        <pc:graphicFrameChg chg="del mod">
+          <ac:chgData name="Vitor Ramos  Regina" userId="adc5096abd649c19" providerId="LiveId" clId="{4E422708-700A-44B3-B155-BF4E618AC0A4}" dt="2022-05-18T21:30:12.109" v="24"/>
+          <ac:graphicFrameMkLst>
+            <pc:docMk/>
+            <pc:sldMk cId="2535526211" sldId="256"/>
+            <ac:graphicFrameMk id="5" creationId="{CBCE0AB4-EA34-E8AE-AEF2-59A8B9E84EB7}"/>
+          </ac:graphicFrameMkLst>
+        </pc:graphicFrameChg>
+      </pc:sldChg>
+    </pc:docChg>
+  </pc:docChgLst>
+</pc:chgInfo>
 </file>
 
 <file path=ppt/slideLayouts/slideLayout1.xml><?xml version="1.0" encoding="utf-8"?>
@@ -590,7 +643,7 @@
           <a:p>
             <a:fld id="{EA0C0817-A112-4847-8014-A94B7D2A4EA3}" type="datetime1">
               <a:rPr lang="en-US" smtClean="0"/>
-              <a:t>5/17/2022</a:t>
+              <a:t>5/18/2022</a:t>
             </a:fld>
             <a:endParaRPr lang="en-US" dirty="0"/>
           </a:p>
@@ -792,7 +845,7 @@
           <a:p>
             <a:fld id="{134F40B7-36AB-4376-BE14-EF7004D79BB9}" type="datetime1">
               <a:rPr lang="en-US" smtClean="0"/>
-              <a:t>5/17/2022</a:t>
+              <a:t>5/18/2022</a:t>
             </a:fld>
             <a:endParaRPr lang="en-US"/>
           </a:p>
@@ -972,7 +1025,7 @@
           <a:p>
             <a:fld id="{FF87CAB8-DCAE-46A5-AADA-B3FAD11A54E0}" type="datetime1">
               <a:rPr lang="en-US" smtClean="0"/>
-              <a:t>5/17/2022</a:t>
+              <a:t>5/18/2022</a:t>
             </a:fld>
             <a:endParaRPr lang="en-US"/>
           </a:p>
@@ -1142,7 +1195,7 @@
           <a:p>
             <a:fld id="{7332B432-ACDA-4023-A761-2BAB76577B62}" type="datetime1">
               <a:rPr lang="en-US" smtClean="0"/>
-              <a:t>5/17/2022</a:t>
+              <a:t>5/18/2022</a:t>
             </a:fld>
             <a:endParaRPr lang="en-US"/>
           </a:p>
@@ -1741,7 +1794,7 @@
           <a:p>
             <a:fld id="{D9C646AA-F36E-4540-911D-FFFC0A0EF24A}" type="datetime1">
               <a:rPr lang="en-US" smtClean="0"/>
-              <a:t>5/17/2022</a:t>
+              <a:t>5/18/2022</a:t>
             </a:fld>
             <a:endParaRPr lang="en-US" dirty="0"/>
           </a:p>
@@ -2061,7 +2114,7 @@
           <a:p>
             <a:fld id="{69186D26-FA5F-4637-B602-B7C2DC34CFD4}" type="datetime1">
               <a:rPr lang="en-US" smtClean="0"/>
-              <a:t>5/17/2022</a:t>
+              <a:t>5/18/2022</a:t>
             </a:fld>
             <a:endParaRPr lang="en-US"/>
           </a:p>
@@ -2496,7 +2549,7 @@
           <a:p>
             <a:fld id="{8A7F15D8-96D1-4781-BC50-CA8A088B2FE4}" type="datetime1">
               <a:rPr lang="en-US" smtClean="0"/>
-              <a:t>5/17/2022</a:t>
+              <a:t>5/18/2022</a:t>
             </a:fld>
             <a:endParaRPr lang="en-US"/>
           </a:p>
@@ -2614,7 +2667,7 @@
           <a:p>
             <a:fld id="{F9A96C99-B8F8-4528-BD05-0E16E943DC09}" type="datetime1">
               <a:rPr lang="en-US" smtClean="0"/>
-              <a:t>5/17/2022</a:t>
+              <a:t>5/18/2022</a:t>
             </a:fld>
             <a:endParaRPr lang="en-US"/>
           </a:p>
@@ -2709,7 +2762,7 @@
           <a:p>
             <a:fld id="{03636942-C211-4B28-8DBD-C953E00AF71B}" type="datetime1">
               <a:rPr lang="en-US" smtClean="0"/>
-              <a:t>5/17/2022</a:t>
+              <a:t>5/18/2022</a:t>
             </a:fld>
             <a:endParaRPr lang="en-US"/>
           </a:p>
@@ -3126,7 +3179,7 @@
           <a:p>
             <a:fld id="{7E8D12A6-918A-48BD-8CB9-CA713993B0EA}" type="datetime1">
               <a:rPr lang="en-US" smtClean="0"/>
-              <a:t>5/17/2022</a:t>
+              <a:t>5/18/2022</a:t>
             </a:fld>
             <a:endParaRPr lang="en-US"/>
           </a:p>
@@ -3388,7 +3441,7 @@
             <a:fld id="{E778CE86-875F-4587-BCF6-FA054AFC0D53}" type="datetime1">
               <a:rPr lang="en-US" smtClean="0"/>
               <a:pPr/>
-              <a:t>5/17/2022</a:t>
+              <a:t>5/18/2022</a:t>
             </a:fld>
             <a:endParaRPr lang="en-US" dirty="0"/>
           </a:p>
@@ -3904,7 +3957,7 @@
           <a:p>
             <a:fld id="{F6FA2B21-3FCD-4721-B95C-427943F61125}" type="datetime1">
               <a:rPr lang="en-US" smtClean="0"/>
-              <a:t>5/17/2022</a:t>
+              <a:t>5/18/2022</a:t>
             </a:fld>
             <a:endParaRPr lang="en-US"/>
           </a:p>
@@ -4518,7 +4571,7 @@
         </p:nvSpPr>
         <p:spPr>
           <a:xfrm>
-            <a:off x="1771132" y="2091263"/>
+            <a:off x="1789436" y="1660459"/>
             <a:ext cx="8649738" cy="2590800"/>
           </a:xfrm>
         </p:spPr>
@@ -4553,52 +4606,100 @@
         </p:nvSpPr>
         <p:spPr>
           <a:xfrm>
-            <a:off x="1704455" y="4088869"/>
-            <a:ext cx="2607569" cy="1186388"/>
+            <a:off x="1704455" y="3780148"/>
+            <a:ext cx="8716413" cy="1495109"/>
           </a:xfrm>
         </p:spPr>
         <p:txBody>
           <a:bodyPr>
-            <a:normAutofit fontScale="92500" lnSpcReduction="20000"/>
+            <a:normAutofit fontScale="92500" lnSpcReduction="10000"/>
           </a:bodyPr>
           <a:lstStyle/>
           <a:p>
             <a:r>
-              <a:rPr lang="pt-BR" dirty="0"/>
+              <a:rPr lang="pt-BR" dirty="0">
+                <a:latin typeface="Arial" panose="020B0604020202020204" pitchFamily="34" charset="0"/>
+                <a:cs typeface="Arial" panose="020B0604020202020204" pitchFamily="34" charset="0"/>
+              </a:rPr>
               <a:t>Al Vitor Ramos 22633</a:t>
             </a:r>
           </a:p>
           <a:p>
             <a:r>
-              <a:rPr lang="pt-BR" dirty="0"/>
+              <a:rPr lang="pt-BR" dirty="0">
+                <a:latin typeface="Arial" panose="020B0604020202020204" pitchFamily="34" charset="0"/>
+                <a:cs typeface="Arial" panose="020B0604020202020204" pitchFamily="34" charset="0"/>
+              </a:rPr>
               <a:t>Al Assis 9566</a:t>
             </a:r>
           </a:p>
           <a:p>
             <a:r>
-              <a:rPr lang="pt-BR" dirty="0"/>
+              <a:rPr lang="pt-BR" dirty="0">
+                <a:latin typeface="Arial" panose="020B0604020202020204" pitchFamily="34" charset="0"/>
+                <a:cs typeface="Arial" panose="020B0604020202020204" pitchFamily="34" charset="0"/>
+              </a:rPr>
               <a:t>Al Miguel Ramos 8284</a:t>
             </a:r>
           </a:p>
           <a:p>
             <a:r>
-              <a:rPr lang="pt-BR" dirty="0"/>
+              <a:rPr lang="pt-BR" dirty="0">
+                <a:latin typeface="Arial" panose="020B0604020202020204" pitchFamily="34" charset="0"/>
+                <a:cs typeface="Arial" panose="020B0604020202020204" pitchFamily="34" charset="0"/>
+              </a:rPr>
               <a:t>Al </a:t>
             </a:r>
             <a:r>
-              <a:rPr lang="pt-BR" dirty="0" err="1"/>
+              <a:rPr lang="pt-BR" dirty="0" err="1">
+                <a:latin typeface="Arial" panose="020B0604020202020204" pitchFamily="34" charset="0"/>
+                <a:cs typeface="Arial" panose="020B0604020202020204" pitchFamily="34" charset="0"/>
+              </a:rPr>
               <a:t>Cancella</a:t>
             </a:r>
             <a:r>
-              <a:rPr lang="pt-BR" dirty="0"/>
+              <a:rPr lang="pt-BR" dirty="0">
+                <a:latin typeface="Arial" panose="020B0604020202020204" pitchFamily="34" charset="0"/>
+                <a:cs typeface="Arial" panose="020B0604020202020204" pitchFamily="34" charset="0"/>
+              </a:rPr>
               <a:t> 9730</a:t>
             </a:r>
           </a:p>
           <a:p>
             <a:r>
-              <a:rPr lang="pt-BR" dirty="0"/>
+              <a:rPr lang="pt-BR" dirty="0">
+                <a:latin typeface="Arial" panose="020B0604020202020204" pitchFamily="34" charset="0"/>
+                <a:cs typeface="Arial" panose="020B0604020202020204" pitchFamily="34" charset="0"/>
+              </a:rPr>
               <a:t>Al Longo8036</a:t>
             </a:r>
+          </a:p>
+          <a:p>
+            <a:r>
+              <a:rPr lang="pt-BR" dirty="0">
+                <a:latin typeface="Arial" panose="020B0604020202020204" pitchFamily="34" charset="0"/>
+                <a:cs typeface="Arial" panose="020B0604020202020204" pitchFamily="34" charset="0"/>
+              </a:rPr>
+              <a:t>Al Coelho </a:t>
+            </a:r>
+            <a:r>
+              <a:rPr lang="pt-BR" dirty="0" err="1">
+                <a:latin typeface="Arial" panose="020B0604020202020204" pitchFamily="34" charset="0"/>
+                <a:cs typeface="Arial" panose="020B0604020202020204" pitchFamily="34" charset="0"/>
+              </a:rPr>
+              <a:t>Mieres</a:t>
+            </a:r>
+            <a:r>
+              <a:rPr lang="pt-BR">
+                <a:latin typeface="Arial" panose="020B0604020202020204" pitchFamily="34" charset="0"/>
+                <a:cs typeface="Arial" panose="020B0604020202020204" pitchFamily="34" charset="0"/>
+              </a:rPr>
+              <a:t> 7166</a:t>
+            </a:r>
+            <a:endParaRPr lang="pt-BR" dirty="0">
+              <a:latin typeface="Arial" panose="020B0604020202020204" pitchFamily="34" charset="0"/>
+              <a:cs typeface="Arial" panose="020B0604020202020204" pitchFamily="34" charset="0"/>
+            </a:endParaRPr>
           </a:p>
         </p:txBody>
       </p:sp>
